--- a/Project4-Capstone/WesAull/Slides/Capstone Presentation.pptx
+++ b/Project4-Capstone/WesAull/Slides/Capstone Presentation.pptx
@@ -5075,7 +5075,7 @@
           <a:p>
             <a:r>
               <a:rPr lang="en-US" sz="4000" dirty="0" smtClean="0"/>
-              <a:t>My Experience at NYCDA</a:t>
+              <a:t>My Experience at NYCDSA</a:t>
             </a:r>
             <a:endParaRPr lang="en-US" sz="4000" dirty="0"/>
           </a:p>
@@ -5287,7 +5287,7 @@
         <p:spPr>
           <a:xfrm>
             <a:off x="886726" y="2639186"/>
-            <a:ext cx="7495274" cy="1938992"/>
+            <a:ext cx="7495274" cy="1200328"/>
           </a:xfrm>
           <a:prstGeom prst="rect">
             <a:avLst/>
@@ -5310,23 +5310,15 @@
             <a:pPr algn="ctr"/>
             <a:r>
               <a:rPr lang="en-US" sz="2400" dirty="0" smtClean="0"/>
-              <a:t>and I look forward to supporting and collaborating together in the future</a:t>
-            </a:r>
-            <a:r>
-              <a:rPr lang="mr-IN" sz="2400" dirty="0" smtClean="0"/>
-              <a:t>…</a:t>
-            </a:r>
-            <a:endParaRPr lang="en-US" sz="2400" dirty="0" smtClean="0"/>
+              <a:t>and I’ve loved my experience at NYCDSA.</a:t>
+            </a:r>
+            <a:endParaRPr lang="en-US" sz="2400" dirty="0"/>
           </a:p>
           <a:p>
             <a:pPr algn="ctr"/>
-            <a:endParaRPr lang="en-US" sz="2400" dirty="0"/>
-          </a:p>
-          <a:p>
-            <a:pPr algn="ctr"/>
             <a:r>
               <a:rPr lang="en-US" sz="2400" dirty="0" smtClean="0"/>
-              <a:t>Thank You!</a:t>
+              <a:t>Thank you!</a:t>
             </a:r>
             <a:endParaRPr lang="en-US" sz="2400" dirty="0"/>
           </a:p>
